--- a/lectures/4.3Tracing/lecture.pptx
+++ b/lectures/4.3Tracing/lecture.pptx
@@ -204,7 +204,7 @@
           <a:p>
             <a:fld id="{248031C6-E4B0-0444-A4A8-9CCE96EC2C9C}" type="datetimeFigureOut">
               <a:rPr lang="en-GB" smtClean="0"/>
-              <a:t>27/09/2018</a:t>
+              <a:t>28/09/2018</a:t>
             </a:fld>
             <a:endParaRPr lang="en-GB"/>
           </a:p>
@@ -621,7 +621,7 @@
           <a:p>
             <a:fld id="{66665395-52C5-5E4B-BB20-CD4E0BBC9899}" type="datetimeFigureOut">
               <a:rPr lang="en-GB" smtClean="0"/>
-              <a:t>27/09/2018</a:t>
+              <a:t>28/09/2018</a:t>
             </a:fld>
             <a:endParaRPr lang="en-GB"/>
           </a:p>
@@ -821,7 +821,7 @@
           <a:p>
             <a:fld id="{66665395-52C5-5E4B-BB20-CD4E0BBC9899}" type="datetimeFigureOut">
               <a:rPr lang="en-GB" smtClean="0"/>
-              <a:t>27/09/2018</a:t>
+              <a:t>28/09/2018</a:t>
             </a:fld>
             <a:endParaRPr lang="en-GB"/>
           </a:p>
@@ -1031,7 +1031,7 @@
           <a:p>
             <a:fld id="{66665395-52C5-5E4B-BB20-CD4E0BBC9899}" type="datetimeFigureOut">
               <a:rPr lang="en-GB" smtClean="0"/>
-              <a:t>27/09/2018</a:t>
+              <a:t>28/09/2018</a:t>
             </a:fld>
             <a:endParaRPr lang="en-GB"/>
           </a:p>
@@ -1231,7 +1231,7 @@
           <a:p>
             <a:fld id="{66665395-52C5-5E4B-BB20-CD4E0BBC9899}" type="datetimeFigureOut">
               <a:rPr lang="en-GB" smtClean="0"/>
-              <a:t>27/09/2018</a:t>
+              <a:t>28/09/2018</a:t>
             </a:fld>
             <a:endParaRPr lang="en-GB"/>
           </a:p>
@@ -1507,7 +1507,7 @@
           <a:p>
             <a:fld id="{66665395-52C5-5E4B-BB20-CD4E0BBC9899}" type="datetimeFigureOut">
               <a:rPr lang="en-GB" smtClean="0"/>
-              <a:t>27/09/2018</a:t>
+              <a:t>28/09/2018</a:t>
             </a:fld>
             <a:endParaRPr lang="en-GB"/>
           </a:p>
@@ -1775,7 +1775,7 @@
           <a:p>
             <a:fld id="{66665395-52C5-5E4B-BB20-CD4E0BBC9899}" type="datetimeFigureOut">
               <a:rPr lang="en-GB" smtClean="0"/>
-              <a:t>27/09/2018</a:t>
+              <a:t>28/09/2018</a:t>
             </a:fld>
             <a:endParaRPr lang="en-GB"/>
           </a:p>
@@ -2190,7 +2190,7 @@
           <a:p>
             <a:fld id="{66665395-52C5-5E4B-BB20-CD4E0BBC9899}" type="datetimeFigureOut">
               <a:rPr lang="en-GB" smtClean="0"/>
-              <a:t>27/09/2018</a:t>
+              <a:t>28/09/2018</a:t>
             </a:fld>
             <a:endParaRPr lang="en-GB"/>
           </a:p>
@@ -2332,7 +2332,7 @@
           <a:p>
             <a:fld id="{66665395-52C5-5E4B-BB20-CD4E0BBC9899}" type="datetimeFigureOut">
               <a:rPr lang="en-GB" smtClean="0"/>
-              <a:t>27/09/2018</a:t>
+              <a:t>28/09/2018</a:t>
             </a:fld>
             <a:endParaRPr lang="en-GB"/>
           </a:p>
@@ -2445,7 +2445,7 @@
           <a:p>
             <a:fld id="{66665395-52C5-5E4B-BB20-CD4E0BBC9899}" type="datetimeFigureOut">
               <a:rPr lang="en-GB" smtClean="0"/>
-              <a:t>27/09/2018</a:t>
+              <a:t>28/09/2018</a:t>
             </a:fld>
             <a:endParaRPr lang="en-GB"/>
           </a:p>
@@ -2758,7 +2758,7 @@
           <a:p>
             <a:fld id="{66665395-52C5-5E4B-BB20-CD4E0BBC9899}" type="datetimeFigureOut">
               <a:rPr lang="en-GB" smtClean="0"/>
-              <a:t>27/09/2018</a:t>
+              <a:t>28/09/2018</a:t>
             </a:fld>
             <a:endParaRPr lang="en-GB"/>
           </a:p>
@@ -3047,7 +3047,7 @@
           <a:p>
             <a:fld id="{66665395-52C5-5E4B-BB20-CD4E0BBC9899}" type="datetimeFigureOut">
               <a:rPr lang="en-GB" smtClean="0"/>
-              <a:t>27/09/2018</a:t>
+              <a:t>28/09/2018</a:t>
             </a:fld>
             <a:endParaRPr lang="en-GB"/>
           </a:p>
@@ -3290,7 +3290,7 @@
           <a:p>
             <a:fld id="{66665395-52C5-5E4B-BB20-CD4E0BBC9899}" type="datetimeFigureOut">
               <a:rPr lang="en-GB" smtClean="0"/>
-              <a:t>27/09/2018</a:t>
+              <a:t>28/09/2018</a:t>
             </a:fld>
             <a:endParaRPr lang="en-GB"/>
           </a:p>
@@ -6703,30 +6703,30 @@
           <a:lstStyle/>
           <a:p>
             <a:r>
+              <a:rPr lang="en-GB" sz="1400" dirty="0" err="1">
+                <a:latin typeface="DejaVu Sans Book" panose="020B0603030804020204" pitchFamily="34" charset="0"/>
+                <a:ea typeface="DejaVu Sans Book" panose="020B0603030804020204" pitchFamily="34" charset="0"/>
+                <a:cs typeface="DejaVu Sans Book" panose="020B0603030804020204" pitchFamily="34" charset="0"/>
+              </a:rPr>
+              <a:t>mul</a:t>
+            </a:r>
+            <a:r>
+              <a:rPr lang="en-GB" sz="1400" dirty="0">
+                <a:latin typeface="DejaVu Sans Book" panose="020B0603030804020204" pitchFamily="34" charset="0"/>
+                <a:ea typeface="DejaVu Sans Book" panose="020B0603030804020204" pitchFamily="34" charset="0"/>
+                <a:cs typeface="DejaVu Sans Book" panose="020B0603030804020204" pitchFamily="34" charset="0"/>
+              </a:rPr>
+              <a:t> -&gt; ((x, y), (x * y), ())</a:t>
+            </a:r>
+          </a:p>
+          <a:p>
+            <a:r>
               <a:rPr lang="en-GB" sz="1400" dirty="0">
                 <a:latin typeface="DejaVu Sans Book" panose="020B0603030804020204" pitchFamily="34" charset="0"/>
                 <a:ea typeface="DejaVu Sans Book" panose="020B0603030804020204" pitchFamily="34" charset="0"/>
                 <a:cs typeface="DejaVu Sans Book" panose="020B0603030804020204" pitchFamily="34" charset="0"/>
               </a:rPr>
               <a:t>factor -&gt; 2.0</a:t>
-            </a:r>
-          </a:p>
-          <a:p>
-            <a:r>
-              <a:rPr lang="en-GB" sz="1400" dirty="0" err="1">
-                <a:latin typeface="DejaVu Sans Book" panose="020B0603030804020204" pitchFamily="34" charset="0"/>
-                <a:ea typeface="DejaVu Sans Book" panose="020B0603030804020204" pitchFamily="34" charset="0"/>
-                <a:cs typeface="DejaVu Sans Book" panose="020B0603030804020204" pitchFamily="34" charset="0"/>
-              </a:rPr>
-              <a:t>mul</a:t>
-            </a:r>
-            <a:r>
-              <a:rPr lang="en-GB" sz="1400" dirty="0">
-                <a:latin typeface="DejaVu Sans Book" panose="020B0603030804020204" pitchFamily="34" charset="0"/>
-                <a:ea typeface="DejaVu Sans Book" panose="020B0603030804020204" pitchFamily="34" charset="0"/>
-                <a:cs typeface="DejaVu Sans Book" panose="020B0603030804020204" pitchFamily="34" charset="0"/>
-              </a:rPr>
-              <a:t> -&gt; ((x, y), (x * y), ())</a:t>
             </a:r>
           </a:p>
           <a:p>
@@ -11191,7 +11191,7 @@
                 <a:ea typeface="DejaVu Sans Book" panose="020B0603030804020204" pitchFamily="34" charset="0"/>
                 <a:cs typeface="DejaVu Sans Book" panose="020B0603030804020204" pitchFamily="34" charset="0"/>
               </a:rPr>
-              <a:t>  a -&gt; ref 1</a:t>
+              <a:t>  a -&gt; alpha</a:t>
             </a:r>
           </a:p>
           <a:p>
@@ -12465,7 +12465,7 @@
         </p:nvSpPr>
         <p:spPr>
           <a:xfrm>
-            <a:off x="838200" y="2095505"/>
+            <a:off x="1267407" y="2095505"/>
             <a:ext cx="3706251" cy="1815882"/>
           </a:xfrm>
           <a:prstGeom prst="rect">
@@ -12680,6 +12680,477 @@
                 <a:cs typeface="DejaVu Sans Book" panose="020B0603030804020204" pitchFamily="34" charset="0"/>
               </a:rPr>
               <a:t> 3.0)</a:t>
+            </a:r>
+          </a:p>
+        </p:txBody>
+      </p:sp>
+      <p:sp>
+        <p:nvSpPr>
+          <p:cNvPr id="5" name="Rectangle 4">
+            <a:extLst>
+              <a:ext uri="{FF2B5EF4-FFF2-40B4-BE49-F238E27FC236}">
+                <a16:creationId xmlns:a16="http://schemas.microsoft.com/office/drawing/2014/main" id="{9FAA3B44-A94D-6745-98FC-695D65D78A2E}"/>
+              </a:ext>
+            </a:extLst>
+          </p:cNvPr>
+          <p:cNvSpPr/>
+          <p:nvPr/>
+        </p:nvSpPr>
+        <p:spPr>
+          <a:xfrm>
+            <a:off x="6607629" y="2095505"/>
+            <a:ext cx="3706251" cy="2031325"/>
+          </a:xfrm>
+          <a:prstGeom prst="rect">
+            <a:avLst/>
+          </a:prstGeom>
+        </p:spPr>
+        <p:txBody>
+          <a:bodyPr wrap="square">
+            <a:spAutoFit/>
+          </a:bodyPr>
+          <a:lstStyle/>
+          <a:p>
+            <a:r>
+              <a:rPr lang="en-GB" sz="1400" dirty="0">
+                <a:latin typeface="DejaVu Sans Book" panose="020B0603030804020204" pitchFamily="34" charset="0"/>
+                <a:ea typeface="DejaVu Sans Book" panose="020B0603030804020204" pitchFamily="34" charset="0"/>
+                <a:cs typeface="DejaVu Sans Book" panose="020B0603030804020204" pitchFamily="34" charset="0"/>
+              </a:rPr>
+              <a:t>let </a:t>
+            </a:r>
+            <a:r>
+              <a:rPr lang="en-GB" sz="1400" dirty="0" err="1">
+                <a:latin typeface="DejaVu Sans Book" panose="020B0603030804020204" pitchFamily="34" charset="0"/>
+                <a:ea typeface="DejaVu Sans Book" panose="020B0603030804020204" pitchFamily="34" charset="0"/>
+                <a:cs typeface="DejaVu Sans Book" panose="020B0603030804020204" pitchFamily="34" charset="0"/>
+              </a:rPr>
+              <a:t>incr</a:t>
+            </a:r>
+            <a:r>
+              <a:rPr lang="en-GB" sz="1400" dirty="0">
+                <a:latin typeface="DejaVu Sans Book" panose="020B0603030804020204" pitchFamily="34" charset="0"/>
+                <a:ea typeface="DejaVu Sans Book" panose="020B0603030804020204" pitchFamily="34" charset="0"/>
+                <a:cs typeface="DejaVu Sans Book" panose="020B0603030804020204" pitchFamily="34" charset="0"/>
+              </a:rPr>
+              <a:t> = </a:t>
+            </a:r>
+          </a:p>
+          <a:p>
+            <a:r>
+              <a:rPr lang="en-GB" sz="1400" dirty="0">
+                <a:latin typeface="DejaVu Sans Book" panose="020B0603030804020204" pitchFamily="34" charset="0"/>
+                <a:ea typeface="DejaVu Sans Book" panose="020B0603030804020204" pitchFamily="34" charset="0"/>
+                <a:cs typeface="DejaVu Sans Book" panose="020B0603030804020204" pitchFamily="34" charset="0"/>
+              </a:rPr>
+              <a:t>  let mutable counter = 0</a:t>
+            </a:r>
+          </a:p>
+          <a:p>
+            <a:r>
+              <a:rPr lang="en-GB" sz="1400" dirty="0">
+                <a:latin typeface="DejaVu Sans Book" panose="020B0603030804020204" pitchFamily="34" charset="0"/>
+                <a:ea typeface="DejaVu Sans Book" panose="020B0603030804020204" pitchFamily="34" charset="0"/>
+                <a:cs typeface="DejaVu Sans Book" panose="020B0603030804020204" pitchFamily="34" charset="0"/>
+              </a:rPr>
+              <a:t>  fun () -&gt;                   </a:t>
+            </a:r>
+          </a:p>
+          <a:p>
+            <a:r>
+              <a:rPr lang="en-GB" sz="1400" dirty="0">
+                <a:latin typeface="DejaVu Sans Book" panose="020B0603030804020204" pitchFamily="34" charset="0"/>
+                <a:ea typeface="DejaVu Sans Book" panose="020B0603030804020204" pitchFamily="34" charset="0"/>
+                <a:cs typeface="DejaVu Sans Book" panose="020B0603030804020204" pitchFamily="34" charset="0"/>
+              </a:rPr>
+              <a:t>    counter &lt;- counter + 1</a:t>
+            </a:r>
+          </a:p>
+          <a:p>
+            <a:r>
+              <a:rPr lang="en-GB" sz="1400" dirty="0">
+                <a:latin typeface="DejaVu Sans Book" panose="020B0603030804020204" pitchFamily="34" charset="0"/>
+                <a:ea typeface="DejaVu Sans Book" panose="020B0603030804020204" pitchFamily="34" charset="0"/>
+                <a:cs typeface="DejaVu Sans Book" panose="020B0603030804020204" pitchFamily="34" charset="0"/>
+              </a:rPr>
+              <a:t>    counter</a:t>
+            </a:r>
+          </a:p>
+          <a:p>
+            <a:endParaRPr lang="en-GB" sz="1400" dirty="0">
+              <a:latin typeface="DejaVu Sans Book" panose="020B0603030804020204" pitchFamily="34" charset="0"/>
+              <a:ea typeface="DejaVu Sans Book" panose="020B0603030804020204" pitchFamily="34" charset="0"/>
+              <a:cs typeface="DejaVu Sans Book" panose="020B0603030804020204" pitchFamily="34" charset="0"/>
+            </a:endParaRPr>
+          </a:p>
+          <a:p>
+            <a:r>
+              <a:rPr lang="en-GB" sz="1400" dirty="0" err="1">
+                <a:latin typeface="DejaVu Sans Book" panose="020B0603030804020204" pitchFamily="34" charset="0"/>
+                <a:ea typeface="DejaVu Sans Book" panose="020B0603030804020204" pitchFamily="34" charset="0"/>
+                <a:cs typeface="DejaVu Sans Book" panose="020B0603030804020204" pitchFamily="34" charset="0"/>
+              </a:rPr>
+              <a:t>printfn</a:t>
+            </a:r>
+            <a:r>
+              <a:rPr lang="en-GB" sz="1400" dirty="0">
+                <a:latin typeface="DejaVu Sans Book" panose="020B0603030804020204" pitchFamily="34" charset="0"/>
+                <a:ea typeface="DejaVu Sans Book" panose="020B0603030804020204" pitchFamily="34" charset="0"/>
+                <a:cs typeface="DejaVu Sans Book" panose="020B0603030804020204" pitchFamily="34" charset="0"/>
+              </a:rPr>
+              <a:t> "%d" (</a:t>
+            </a:r>
+            <a:r>
+              <a:rPr lang="en-GB" sz="1400" dirty="0" err="1">
+                <a:latin typeface="DejaVu Sans Book" panose="020B0603030804020204" pitchFamily="34" charset="0"/>
+                <a:ea typeface="DejaVu Sans Book" panose="020B0603030804020204" pitchFamily="34" charset="0"/>
+                <a:cs typeface="DejaVu Sans Book" panose="020B0603030804020204" pitchFamily="34" charset="0"/>
+              </a:rPr>
+              <a:t>incr</a:t>
+            </a:r>
+            <a:r>
+              <a:rPr lang="en-GB" sz="1400" dirty="0">
+                <a:latin typeface="DejaVu Sans Book" panose="020B0603030804020204" pitchFamily="34" charset="0"/>
+                <a:ea typeface="DejaVu Sans Book" panose="020B0603030804020204" pitchFamily="34" charset="0"/>
+                <a:cs typeface="DejaVu Sans Book" panose="020B0603030804020204" pitchFamily="34" charset="0"/>
+              </a:rPr>
+              <a:t> ())</a:t>
+            </a:r>
+          </a:p>
+          <a:p>
+            <a:r>
+              <a:rPr lang="en-GB" sz="1400" dirty="0" err="1">
+                <a:latin typeface="DejaVu Sans Book" panose="020B0603030804020204" pitchFamily="34" charset="0"/>
+                <a:ea typeface="DejaVu Sans Book" panose="020B0603030804020204" pitchFamily="34" charset="0"/>
+                <a:cs typeface="DejaVu Sans Book" panose="020B0603030804020204" pitchFamily="34" charset="0"/>
+              </a:rPr>
+              <a:t>printfn</a:t>
+            </a:r>
+            <a:r>
+              <a:rPr lang="en-GB" sz="1400" dirty="0">
+                <a:latin typeface="DejaVu Sans Book" panose="020B0603030804020204" pitchFamily="34" charset="0"/>
+                <a:ea typeface="DejaVu Sans Book" panose="020B0603030804020204" pitchFamily="34" charset="0"/>
+                <a:cs typeface="DejaVu Sans Book" panose="020B0603030804020204" pitchFamily="34" charset="0"/>
+              </a:rPr>
+              <a:t> "%d" (</a:t>
+            </a:r>
+            <a:r>
+              <a:rPr lang="en-GB" sz="1400" dirty="0" err="1">
+                <a:latin typeface="DejaVu Sans Book" panose="020B0603030804020204" pitchFamily="34" charset="0"/>
+                <a:ea typeface="DejaVu Sans Book" panose="020B0603030804020204" pitchFamily="34" charset="0"/>
+                <a:cs typeface="DejaVu Sans Book" panose="020B0603030804020204" pitchFamily="34" charset="0"/>
+              </a:rPr>
+              <a:t>incr</a:t>
+            </a:r>
+            <a:r>
+              <a:rPr lang="en-GB" sz="1400" dirty="0">
+                <a:latin typeface="DejaVu Sans Book" panose="020B0603030804020204" pitchFamily="34" charset="0"/>
+                <a:ea typeface="DejaVu Sans Book" panose="020B0603030804020204" pitchFamily="34" charset="0"/>
+                <a:cs typeface="DejaVu Sans Book" panose="020B0603030804020204" pitchFamily="34" charset="0"/>
+              </a:rPr>
+              <a:t> ())</a:t>
+            </a:r>
+          </a:p>
+          <a:p>
+            <a:r>
+              <a:rPr lang="en-GB" sz="1400" dirty="0" err="1">
+                <a:latin typeface="DejaVu Sans Book" panose="020B0603030804020204" pitchFamily="34" charset="0"/>
+                <a:ea typeface="DejaVu Sans Book" panose="020B0603030804020204" pitchFamily="34" charset="0"/>
+                <a:cs typeface="DejaVu Sans Book" panose="020B0603030804020204" pitchFamily="34" charset="0"/>
+              </a:rPr>
+              <a:t>printfn</a:t>
+            </a:r>
+            <a:r>
+              <a:rPr lang="en-GB" sz="1400" dirty="0">
+                <a:latin typeface="DejaVu Sans Book" panose="020B0603030804020204" pitchFamily="34" charset="0"/>
+                <a:ea typeface="DejaVu Sans Book" panose="020B0603030804020204" pitchFamily="34" charset="0"/>
+                <a:cs typeface="DejaVu Sans Book" panose="020B0603030804020204" pitchFamily="34" charset="0"/>
+              </a:rPr>
+              <a:t> "%d" (</a:t>
+            </a:r>
+            <a:r>
+              <a:rPr lang="en-GB" sz="1400" dirty="0" err="1">
+                <a:latin typeface="DejaVu Sans Book" panose="020B0603030804020204" pitchFamily="34" charset="0"/>
+                <a:ea typeface="DejaVu Sans Book" panose="020B0603030804020204" pitchFamily="34" charset="0"/>
+                <a:cs typeface="DejaVu Sans Book" panose="020B0603030804020204" pitchFamily="34" charset="0"/>
+              </a:rPr>
+              <a:t>incr</a:t>
+            </a:r>
+            <a:r>
+              <a:rPr lang="en-GB" sz="1400" dirty="0">
+                <a:latin typeface="DejaVu Sans Book" panose="020B0603030804020204" pitchFamily="34" charset="0"/>
+                <a:ea typeface="DejaVu Sans Book" panose="020B0603030804020204" pitchFamily="34" charset="0"/>
+                <a:cs typeface="DejaVu Sans Book" panose="020B0603030804020204" pitchFamily="34" charset="0"/>
+              </a:rPr>
+              <a:t> ())</a:t>
+            </a:r>
+          </a:p>
+        </p:txBody>
+      </p:sp>
+      <p:sp>
+        <p:nvSpPr>
+          <p:cNvPr id="3" name="TextBox 2">
+            <a:extLst>
+              <a:ext uri="{FF2B5EF4-FFF2-40B4-BE49-F238E27FC236}">
+                <a16:creationId xmlns:a16="http://schemas.microsoft.com/office/drawing/2014/main" id="{B38DD3FF-BDF5-5242-B77F-CC588477AE85}"/>
+              </a:ext>
+            </a:extLst>
+          </p:cNvPr>
+          <p:cNvSpPr txBox="1"/>
+          <p:nvPr/>
+        </p:nvSpPr>
+        <p:spPr>
+          <a:xfrm>
+            <a:off x="1026368" y="1633840"/>
+            <a:ext cx="2230034" cy="461665"/>
+          </a:xfrm>
+          <a:prstGeom prst="rect">
+            <a:avLst/>
+          </a:prstGeom>
+          <a:noFill/>
+        </p:spPr>
+        <p:txBody>
+          <a:bodyPr wrap="none" rtlCol="0">
+            <a:spAutoFit/>
+          </a:bodyPr>
+          <a:lstStyle/>
+          <a:p>
+            <a:r>
+              <a:rPr lang="da-DK" sz="2400" dirty="0" err="1"/>
+              <a:t>Closure</a:t>
+            </a:r>
+            <a:r>
+              <a:rPr lang="da-DK" sz="2400" dirty="0"/>
+              <a:t> i </a:t>
+            </a:r>
+            <a:r>
+              <a:rPr lang="da-DK" sz="2400" dirty="0" err="1"/>
+              <a:t>closure</a:t>
+            </a:r>
+            <a:endParaRPr lang="da-DK" sz="2400" dirty="0"/>
+          </a:p>
+        </p:txBody>
+      </p:sp>
+      <p:sp>
+        <p:nvSpPr>
+          <p:cNvPr id="6" name="TextBox 5">
+            <a:extLst>
+              <a:ext uri="{FF2B5EF4-FFF2-40B4-BE49-F238E27FC236}">
+                <a16:creationId xmlns:a16="http://schemas.microsoft.com/office/drawing/2014/main" id="{FE26F908-733F-644F-8AE7-EA8B0ED4B3FE}"/>
+              </a:ext>
+            </a:extLst>
+          </p:cNvPr>
+          <p:cNvSpPr txBox="1"/>
+          <p:nvPr/>
+        </p:nvSpPr>
+        <p:spPr>
+          <a:xfrm>
+            <a:off x="6329266" y="1690690"/>
+            <a:ext cx="2663934" cy="461665"/>
+          </a:xfrm>
+          <a:prstGeom prst="rect">
+            <a:avLst/>
+          </a:prstGeom>
+          <a:noFill/>
+        </p:spPr>
+        <p:txBody>
+          <a:bodyPr wrap="none" rtlCol="0">
+            <a:spAutoFit/>
+          </a:bodyPr>
+          <a:lstStyle/>
+          <a:p>
+            <a:r>
+              <a:rPr lang="da-DK" sz="2400" dirty="0"/>
+              <a:t>Den virkeligt </a:t>
+            </a:r>
+            <a:r>
+              <a:rPr lang="da-DK" sz="2400" dirty="0" err="1"/>
+              <a:t>sværre</a:t>
+            </a:r>
+            <a:endParaRPr lang="da-DK" sz="2400" dirty="0"/>
+          </a:p>
+        </p:txBody>
+      </p:sp>
+      <p:sp>
+        <p:nvSpPr>
+          <p:cNvPr id="7" name="Rectangle 6">
+            <a:extLst>
+              <a:ext uri="{FF2B5EF4-FFF2-40B4-BE49-F238E27FC236}">
+                <a16:creationId xmlns:a16="http://schemas.microsoft.com/office/drawing/2014/main" id="{A2CFD745-240D-0145-A3EC-68F2988DA7A4}"/>
+              </a:ext>
+            </a:extLst>
+          </p:cNvPr>
+          <p:cNvSpPr/>
+          <p:nvPr/>
+        </p:nvSpPr>
+        <p:spPr>
+          <a:xfrm>
+            <a:off x="6607629" y="4500637"/>
+            <a:ext cx="3706251" cy="954107"/>
+          </a:xfrm>
+          <a:prstGeom prst="rect">
+            <a:avLst/>
+          </a:prstGeom>
+        </p:spPr>
+        <p:txBody>
+          <a:bodyPr wrap="square">
+            <a:spAutoFit/>
+          </a:bodyPr>
+          <a:lstStyle/>
+          <a:p>
+            <a:r>
+              <a:rPr lang="en-GB" sz="1400" dirty="0">
+                <a:latin typeface="DejaVu Sans Book" panose="020B0603030804020204" pitchFamily="34" charset="0"/>
+                <a:ea typeface="DejaVu Sans Book" panose="020B0603030804020204" pitchFamily="34" charset="0"/>
+                <a:cs typeface="DejaVu Sans Book" panose="020B0603030804020204" pitchFamily="34" charset="0"/>
+              </a:rPr>
+              <a:t>$ </a:t>
+            </a:r>
+            <a:r>
+              <a:rPr lang="en-GB" sz="1400" dirty="0" err="1">
+                <a:latin typeface="DejaVu Sans Book" panose="020B0603030804020204" pitchFamily="34" charset="0"/>
+                <a:ea typeface="DejaVu Sans Book" panose="020B0603030804020204" pitchFamily="34" charset="0"/>
+                <a:cs typeface="DejaVu Sans Book" panose="020B0603030804020204" pitchFamily="34" charset="0"/>
+              </a:rPr>
+              <a:t>fsharpi</a:t>
+            </a:r>
+            <a:r>
+              <a:rPr lang="en-GB" sz="1400" dirty="0">
+                <a:latin typeface="DejaVu Sans Book" panose="020B0603030804020204" pitchFamily="34" charset="0"/>
+                <a:ea typeface="DejaVu Sans Book" panose="020B0603030804020204" pitchFamily="34" charset="0"/>
+                <a:cs typeface="DejaVu Sans Book" panose="020B0603030804020204" pitchFamily="34" charset="0"/>
+              </a:rPr>
+              <a:t> </a:t>
+            </a:r>
+            <a:r>
+              <a:rPr lang="en-GB" sz="1400" dirty="0" err="1">
+                <a:latin typeface="DejaVu Sans Book" panose="020B0603030804020204" pitchFamily="34" charset="0"/>
+                <a:ea typeface="DejaVu Sans Book" panose="020B0603030804020204" pitchFamily="34" charset="0"/>
+                <a:cs typeface="DejaVu Sans Book" panose="020B0603030804020204" pitchFamily="34" charset="0"/>
+              </a:rPr>
+              <a:t>inc.fsx</a:t>
+            </a:r>
+            <a:endParaRPr lang="en-GB" sz="1400" dirty="0">
+              <a:latin typeface="DejaVu Sans Book" panose="020B0603030804020204" pitchFamily="34" charset="0"/>
+              <a:ea typeface="DejaVu Sans Book" panose="020B0603030804020204" pitchFamily="34" charset="0"/>
+              <a:cs typeface="DejaVu Sans Book" panose="020B0603030804020204" pitchFamily="34" charset="0"/>
+            </a:endParaRPr>
+          </a:p>
+          <a:p>
+            <a:r>
+              <a:rPr lang="en-GB" sz="1400" dirty="0">
+                <a:latin typeface="DejaVu Sans Book" panose="020B0603030804020204" pitchFamily="34" charset="0"/>
+                <a:ea typeface="DejaVu Sans Book" panose="020B0603030804020204" pitchFamily="34" charset="0"/>
+                <a:cs typeface="DejaVu Sans Book" panose="020B0603030804020204" pitchFamily="34" charset="0"/>
+              </a:rPr>
+              <a:t>1</a:t>
+            </a:r>
+          </a:p>
+          <a:p>
+            <a:r>
+              <a:rPr lang="en-GB" sz="1400" dirty="0">
+                <a:latin typeface="DejaVu Sans Book" panose="020B0603030804020204" pitchFamily="34" charset="0"/>
+                <a:ea typeface="DejaVu Sans Book" panose="020B0603030804020204" pitchFamily="34" charset="0"/>
+                <a:cs typeface="DejaVu Sans Book" panose="020B0603030804020204" pitchFamily="34" charset="0"/>
+              </a:rPr>
+              <a:t>2</a:t>
+            </a:r>
+          </a:p>
+          <a:p>
+            <a:r>
+              <a:rPr lang="en-GB" sz="1400" dirty="0">
+                <a:latin typeface="DejaVu Sans Book" panose="020B0603030804020204" pitchFamily="34" charset="0"/>
+                <a:ea typeface="DejaVu Sans Book" panose="020B0603030804020204" pitchFamily="34" charset="0"/>
+                <a:cs typeface="DejaVu Sans Book" panose="020B0603030804020204" pitchFamily="34" charset="0"/>
+              </a:rPr>
+              <a:t>3</a:t>
+            </a:r>
+          </a:p>
+        </p:txBody>
+      </p:sp>
+      <p:sp>
+        <p:nvSpPr>
+          <p:cNvPr id="8" name="Rectangle 7">
+            <a:extLst>
+              <a:ext uri="{FF2B5EF4-FFF2-40B4-BE49-F238E27FC236}">
+                <a16:creationId xmlns:a16="http://schemas.microsoft.com/office/drawing/2014/main" id="{F23A7989-7FE9-D146-8625-66DEC809F147}"/>
+              </a:ext>
+            </a:extLst>
+          </p:cNvPr>
+          <p:cNvSpPr/>
+          <p:nvPr/>
+        </p:nvSpPr>
+        <p:spPr>
+          <a:xfrm>
+            <a:off x="1267406" y="4500636"/>
+            <a:ext cx="3706251" cy="738664"/>
+          </a:xfrm>
+          <a:prstGeom prst="rect">
+            <a:avLst/>
+          </a:prstGeom>
+        </p:spPr>
+        <p:txBody>
+          <a:bodyPr wrap="square">
+            <a:spAutoFit/>
+          </a:bodyPr>
+          <a:lstStyle/>
+          <a:p>
+            <a:r>
+              <a:rPr lang="en-GB" sz="1400" dirty="0">
+                <a:latin typeface="DejaVu Sans Book" panose="020B0603030804020204" pitchFamily="34" charset="0"/>
+                <a:ea typeface="DejaVu Sans Book" panose="020B0603030804020204" pitchFamily="34" charset="0"/>
+                <a:cs typeface="DejaVu Sans Book" panose="020B0603030804020204" pitchFamily="34" charset="0"/>
+              </a:rPr>
+              <a:t>$ </a:t>
+            </a:r>
+            <a:r>
+              <a:rPr lang="en-GB" sz="1400" dirty="0" err="1">
+                <a:latin typeface="DejaVu Sans Book" panose="020B0603030804020204" pitchFamily="34" charset="0"/>
+                <a:ea typeface="DejaVu Sans Book" panose="020B0603030804020204" pitchFamily="34" charset="0"/>
+                <a:cs typeface="DejaVu Sans Book" panose="020B0603030804020204" pitchFamily="34" charset="0"/>
+              </a:rPr>
+              <a:t>fsharpi</a:t>
+            </a:r>
+            <a:r>
+              <a:rPr lang="en-GB" sz="1400" dirty="0">
+                <a:latin typeface="DejaVu Sans Book" panose="020B0603030804020204" pitchFamily="34" charset="0"/>
+                <a:ea typeface="DejaVu Sans Book" panose="020B0603030804020204" pitchFamily="34" charset="0"/>
+                <a:cs typeface="DejaVu Sans Book" panose="020B0603030804020204" pitchFamily="34" charset="0"/>
+              </a:rPr>
+              <a:t> </a:t>
+            </a:r>
+            <a:r>
+              <a:rPr lang="en-GB" sz="1400" dirty="0" err="1">
+                <a:latin typeface="DejaVu Sans Book" panose="020B0603030804020204" pitchFamily="34" charset="0"/>
+                <a:ea typeface="DejaVu Sans Book" panose="020B0603030804020204" pitchFamily="34" charset="0"/>
+                <a:cs typeface="DejaVu Sans Book" panose="020B0603030804020204" pitchFamily="34" charset="0"/>
+              </a:rPr>
+              <a:t>functionFirstClass.fsx</a:t>
+            </a:r>
+            <a:endParaRPr lang="en-GB" sz="1400" dirty="0">
+              <a:latin typeface="DejaVu Sans Book" panose="020B0603030804020204" pitchFamily="34" charset="0"/>
+              <a:ea typeface="DejaVu Sans Book" panose="020B0603030804020204" pitchFamily="34" charset="0"/>
+              <a:cs typeface="DejaVu Sans Book" panose="020B0603030804020204" pitchFamily="34" charset="0"/>
+            </a:endParaRPr>
+          </a:p>
+          <a:p>
+            <a:r>
+              <a:rPr lang="en-GB" sz="1400" dirty="0">
+                <a:latin typeface="DejaVu Sans Book" panose="020B0603030804020204" pitchFamily="34" charset="0"/>
+                <a:ea typeface="DejaVu Sans Book" panose="020B0603030804020204" pitchFamily="34" charset="0"/>
+                <a:cs typeface="DejaVu Sans Book" panose="020B0603030804020204" pitchFamily="34" charset="0"/>
+              </a:rPr>
+              <a:t>15</a:t>
+            </a:r>
+          </a:p>
+          <a:p>
+            <a:r>
+              <a:rPr lang="en-GB" sz="1400" dirty="0">
+                <a:latin typeface="DejaVu Sans Book" panose="020B0603030804020204" pitchFamily="34" charset="0"/>
+                <a:ea typeface="DejaVu Sans Book" panose="020B0603030804020204" pitchFamily="34" charset="0"/>
+                <a:cs typeface="DejaVu Sans Book" panose="020B0603030804020204" pitchFamily="34" charset="0"/>
+              </a:rPr>
+              <a:t>6</a:t>
             </a:r>
           </a:p>
         </p:txBody>
@@ -12694,6 +13165,204 @@
   <p:clrMapOvr>
     <a:masterClrMapping/>
   </p:clrMapOvr>
+  <p:timing>
+    <p:tnLst>
+      <p:par>
+        <p:cTn id="1" dur="indefinite" restart="never" nodeType="tmRoot">
+          <p:childTnLst>
+            <p:seq concurrent="1" nextAc="seek">
+              <p:cTn id="2" dur="indefinite" nodeType="mainSeq">
+                <p:childTnLst>
+                  <p:par>
+                    <p:cTn id="3" fill="hold">
+                      <p:stCondLst>
+                        <p:cond delay="indefinite"/>
+                      </p:stCondLst>
+                      <p:childTnLst>
+                        <p:par>
+                          <p:cTn id="4" fill="hold">
+                            <p:stCondLst>
+                              <p:cond delay="0"/>
+                            </p:stCondLst>
+                            <p:childTnLst>
+                              <p:par>
+                                <p:cTn id="5" presetID="1" presetClass="entr" presetSubtype="0" fill="hold" grpId="0" nodeType="clickEffect">
+                                  <p:stCondLst>
+                                    <p:cond delay="0"/>
+                                  </p:stCondLst>
+                                  <p:childTnLst>
+                                    <p:set>
+                                      <p:cBhvr>
+                                        <p:cTn id="6" dur="1" fill="hold">
+                                          <p:stCondLst>
+                                            <p:cond delay="0"/>
+                                          </p:stCondLst>
+                                        </p:cTn>
+                                        <p:tgtEl>
+                                          <p:spTgt spid="5"/>
+                                        </p:tgtEl>
+                                        <p:attrNameLst>
+                                          <p:attrName>style.visibility</p:attrName>
+                                        </p:attrNameLst>
+                                      </p:cBhvr>
+                                      <p:to>
+                                        <p:strVal val="visible"/>
+                                      </p:to>
+                                    </p:set>
+                                  </p:childTnLst>
+                                </p:cTn>
+                              </p:par>
+                              <p:par>
+                                <p:cTn id="7" presetID="1" presetClass="entr" presetSubtype="0" fill="hold" grpId="0" nodeType="withEffect">
+                                  <p:stCondLst>
+                                    <p:cond delay="0"/>
+                                  </p:stCondLst>
+                                  <p:childTnLst>
+                                    <p:set>
+                                      <p:cBhvr>
+                                        <p:cTn id="8" dur="1" fill="hold">
+                                          <p:stCondLst>
+                                            <p:cond delay="0"/>
+                                          </p:stCondLst>
+                                        </p:cTn>
+                                        <p:tgtEl>
+                                          <p:spTgt spid="6"/>
+                                        </p:tgtEl>
+                                        <p:attrNameLst>
+                                          <p:attrName>style.visibility</p:attrName>
+                                        </p:attrNameLst>
+                                      </p:cBhvr>
+                                      <p:to>
+                                        <p:strVal val="visible"/>
+                                      </p:to>
+                                    </p:set>
+                                  </p:childTnLst>
+                                </p:cTn>
+                              </p:par>
+                            </p:childTnLst>
+                          </p:cTn>
+                        </p:par>
+                      </p:childTnLst>
+                    </p:cTn>
+                  </p:par>
+                  <p:par>
+                    <p:cTn id="9" fill="hold">
+                      <p:stCondLst>
+                        <p:cond delay="indefinite"/>
+                      </p:stCondLst>
+                      <p:childTnLst>
+                        <p:par>
+                          <p:cTn id="10" fill="hold">
+                            <p:stCondLst>
+                              <p:cond delay="0"/>
+                            </p:stCondLst>
+                            <p:childTnLst>
+                              <p:par>
+                                <p:cTn id="11" presetID="1" presetClass="entr" presetSubtype="0" fill="hold" grpId="0" nodeType="clickEffect">
+                                  <p:stCondLst>
+                                    <p:cond delay="0"/>
+                                  </p:stCondLst>
+                                  <p:childTnLst>
+                                    <p:set>
+                                      <p:cBhvr>
+                                        <p:cTn id="12" dur="1" fill="hold">
+                                          <p:stCondLst>
+                                            <p:cond delay="0"/>
+                                          </p:stCondLst>
+                                        </p:cTn>
+                                        <p:tgtEl>
+                                          <p:spTgt spid="7"/>
+                                        </p:tgtEl>
+                                        <p:attrNameLst>
+                                          <p:attrName>style.visibility</p:attrName>
+                                        </p:attrNameLst>
+                                      </p:cBhvr>
+                                      <p:to>
+                                        <p:strVal val="visible"/>
+                                      </p:to>
+                                    </p:set>
+                                  </p:childTnLst>
+                                </p:cTn>
+                              </p:par>
+                            </p:childTnLst>
+                          </p:cTn>
+                        </p:par>
+                      </p:childTnLst>
+                    </p:cTn>
+                  </p:par>
+                  <p:par>
+                    <p:cTn id="13" fill="hold">
+                      <p:stCondLst>
+                        <p:cond delay="indefinite"/>
+                      </p:stCondLst>
+                      <p:childTnLst>
+                        <p:par>
+                          <p:cTn id="14" fill="hold">
+                            <p:stCondLst>
+                              <p:cond delay="0"/>
+                            </p:stCondLst>
+                            <p:childTnLst>
+                              <p:par>
+                                <p:cTn id="15" presetID="1" presetClass="entr" presetSubtype="0" fill="hold" grpId="0" nodeType="clickEffect">
+                                  <p:stCondLst>
+                                    <p:cond delay="0"/>
+                                  </p:stCondLst>
+                                  <p:childTnLst>
+                                    <p:set>
+                                      <p:cBhvr>
+                                        <p:cTn id="16" dur="1" fill="hold">
+                                          <p:stCondLst>
+                                            <p:cond delay="0"/>
+                                          </p:stCondLst>
+                                        </p:cTn>
+                                        <p:tgtEl>
+                                          <p:spTgt spid="8"/>
+                                        </p:tgtEl>
+                                        <p:attrNameLst>
+                                          <p:attrName>style.visibility</p:attrName>
+                                        </p:attrNameLst>
+                                      </p:cBhvr>
+                                      <p:to>
+                                        <p:strVal val="visible"/>
+                                      </p:to>
+                                    </p:set>
+                                  </p:childTnLst>
+                                </p:cTn>
+                              </p:par>
+                            </p:childTnLst>
+                          </p:cTn>
+                        </p:par>
+                      </p:childTnLst>
+                    </p:cTn>
+                  </p:par>
+                </p:childTnLst>
+              </p:cTn>
+              <p:prevCondLst>
+                <p:cond evt="onPrev" delay="0">
+                  <p:tgtEl>
+                    <p:sldTgt/>
+                  </p:tgtEl>
+                </p:cond>
+              </p:prevCondLst>
+              <p:nextCondLst>
+                <p:cond evt="onNext" delay="0">
+                  <p:tgtEl>
+                    <p:sldTgt/>
+                  </p:tgtEl>
+                </p:cond>
+              </p:nextCondLst>
+            </p:seq>
+          </p:childTnLst>
+        </p:cTn>
+      </p:par>
+    </p:tnLst>
+    <p:bldLst>
+      <p:bldP spid="5" grpId="0"/>
+      <p:bldP spid="6" grpId="0"/>
+      <p:bldP spid="7" grpId="0"/>
+      <p:bldP spid="8" grpId="0"/>
+    </p:bldLst>
+  </p:timing>
 </p:sld>
 </file>
 
